--- a/PrezentaciaEmma.pptx
+++ b/PrezentaciaEmma.pptx
@@ -5,18 +5,19 @@
     <p:sldMasterId id="2147483648" r:id="rId1"/>
   </p:sldMasterIdLst>
   <p:notesMasterIdLst>
-    <p:notesMasterId r:id="rId11"/>
+    <p:notesMasterId r:id="rId12"/>
   </p:notesMasterIdLst>
   <p:sldIdLst>
     <p:sldId id="256" r:id="rId2"/>
     <p:sldId id="257" r:id="rId3"/>
     <p:sldId id="263" r:id="rId4"/>
     <p:sldId id="264" r:id="rId5"/>
-    <p:sldId id="261" r:id="rId6"/>
-    <p:sldId id="265" r:id="rId7"/>
-    <p:sldId id="266" r:id="rId8"/>
-    <p:sldId id="267" r:id="rId9"/>
-    <p:sldId id="268" r:id="rId10"/>
+    <p:sldId id="269" r:id="rId6"/>
+    <p:sldId id="261" r:id="rId7"/>
+    <p:sldId id="265" r:id="rId8"/>
+    <p:sldId id="266" r:id="rId9"/>
+    <p:sldId id="267" r:id="rId10"/>
+    <p:sldId id="268" r:id="rId11"/>
   </p:sldIdLst>
   <p:sldSz cx="12192000" cy="6858000"/>
   <p:notesSz cx="6858000" cy="9144000"/>
@@ -115,6 +116,11 @@
       </a:defRPr>
     </a:lvl9pPr>
   </p:defaultTextStyle>
+  <p:extLst>
+    <p:ext uri="{EFAFB233-063F-42B5-8137-9DF3F51BA10A}">
+      <p15:sldGuideLst xmlns:p15="http://schemas.microsoft.com/office/powerpoint/2012/main"/>
+    </p:ext>
+  </p:extLst>
 </p:presentation>
 </file>
 
@@ -3149,7 +3155,7 @@
           <a:p>
             <a:fld id="{86A6CEFD-03A7-4A61-B24F-D4660982194A}" type="datetimeFigureOut">
               <a:rPr lang="sk-SK" smtClean="0"/>
-              <a:t>30. 10. 2019</a:t>
+              <a:t>31. 10. 2019</a:t>
             </a:fld>
             <a:endParaRPr lang="sk-SK"/>
           </a:p>
@@ -6155,7 +6161,7 @@
           <a:p>
             <a:fld id="{426E5AA6-8571-4BB4-A831-5322DB67C739}" type="slidenum">
               <a:rPr lang="sk-SK" smtClean="0"/>
-              <a:t>5</a:t>
+              <a:t>6</a:t>
             </a:fld>
             <a:endParaRPr lang="sk-SK"/>
           </a:p>
@@ -7131,7 +7137,7 @@
           <a:p>
             <a:fld id="{426E5AA6-8571-4BB4-A831-5322DB67C739}" type="slidenum">
               <a:rPr lang="sk-SK" smtClean="0"/>
-              <a:t>6</a:t>
+              <a:t>7</a:t>
             </a:fld>
             <a:endParaRPr lang="sk-SK"/>
           </a:p>
@@ -8090,7 +8096,7 @@
           <a:p>
             <a:fld id="{426E5AA6-8571-4BB4-A831-5322DB67C739}" type="slidenum">
               <a:rPr lang="sk-SK" smtClean="0"/>
-              <a:t>7</a:t>
+              <a:t>8</a:t>
             </a:fld>
             <a:endParaRPr lang="sk-SK"/>
           </a:p>
@@ -8927,7 +8933,7 @@
                 <a:ea typeface="+mn-ea"/>
                 <a:cs typeface="+mn-cs"/>
               </a:rPr>
-              <a:t>možnosti </a:t>
+              <a:t>(možnosti </a:t>
             </a:r>
             <a:r>
               <a:rPr lang="sk-SK" sz="1200" b="1" kern="1200" dirty="0">
@@ -8939,7 +8945,7 @@
                 <a:ea typeface="+mn-ea"/>
                 <a:cs typeface="+mn-cs"/>
               </a:rPr>
-              <a:t>reparácie </a:t>
+              <a:t>reparácie) </a:t>
             </a:r>
             <a:r>
               <a:rPr lang="sk-SK" sz="1200" kern="1200" dirty="0">
@@ -9004,6 +9010,30 @@
                 <a:cs typeface="+mn-cs"/>
               </a:rPr>
               <a:t> ošetrujúce tento problém </a:t>
+            </a:r>
+            <a:r>
+              <a:rPr lang="sk-SK" sz="1200" b="1" kern="1200" dirty="0">
+                <a:solidFill>
+                  <a:schemeClr val="tx1"/>
+                </a:solidFill>
+                <a:effectLst/>
+                <a:latin typeface="+mn-lt"/>
+                <a:ea typeface="+mn-ea"/>
+                <a:cs typeface="+mn-cs"/>
+              </a:rPr>
+              <a:t>SÚČASNOSŤ</a:t>
+            </a:r>
+            <a:r>
+              <a:rPr lang="sk-SK" sz="1200" kern="1200" dirty="0">
+                <a:solidFill>
+                  <a:schemeClr val="tx1"/>
+                </a:solidFill>
+                <a:effectLst/>
+                <a:latin typeface="+mn-lt"/>
+                <a:ea typeface="+mn-ea"/>
+                <a:cs typeface="+mn-cs"/>
+              </a:rPr>
+              <a:t> </a:t>
             </a:r>
             <a:r>
               <a:rPr lang="sk-SK" sz="1200" kern="1200" dirty="0">
@@ -9049,7 +9079,7 @@
           <a:p>
             <a:fld id="{426E5AA6-8571-4BB4-A831-5322DB67C739}" type="slidenum">
               <a:rPr lang="sk-SK" smtClean="0"/>
-              <a:t>8</a:t>
+              <a:t>9</a:t>
             </a:fld>
             <a:endParaRPr lang="sk-SK"/>
           </a:p>
@@ -9133,7 +9163,7 @@
           <a:p>
             <a:fld id="{426E5AA6-8571-4BB4-A831-5322DB67C739}" type="slidenum">
               <a:rPr lang="sk-SK" smtClean="0"/>
-              <a:t>9</a:t>
+              <a:t>10</a:t>
             </a:fld>
             <a:endParaRPr lang="sk-SK"/>
           </a:p>
@@ -9299,7 +9329,7 @@
           <a:p>
             <a:fld id="{59A735E0-1A56-40B6-A953-4A03F1575F9D}" type="datetimeFigureOut">
               <a:rPr lang="sk-SK" smtClean="0"/>
-              <a:t>30. 10. 2019</a:t>
+              <a:t>31. 10. 2019</a:t>
             </a:fld>
             <a:endParaRPr lang="sk-SK"/>
           </a:p>
@@ -9497,7 +9527,7 @@
           <a:p>
             <a:fld id="{59A735E0-1A56-40B6-A953-4A03F1575F9D}" type="datetimeFigureOut">
               <a:rPr lang="sk-SK" smtClean="0"/>
-              <a:t>30. 10. 2019</a:t>
+              <a:t>31. 10. 2019</a:t>
             </a:fld>
             <a:endParaRPr lang="sk-SK"/>
           </a:p>
@@ -9705,7 +9735,7 @@
           <a:p>
             <a:fld id="{59A735E0-1A56-40B6-A953-4A03F1575F9D}" type="datetimeFigureOut">
               <a:rPr lang="sk-SK" smtClean="0"/>
-              <a:t>30. 10. 2019</a:t>
+              <a:t>31. 10. 2019</a:t>
             </a:fld>
             <a:endParaRPr lang="sk-SK"/>
           </a:p>
@@ -9903,7 +9933,7 @@
           <a:p>
             <a:fld id="{59A735E0-1A56-40B6-A953-4A03F1575F9D}" type="datetimeFigureOut">
               <a:rPr lang="sk-SK" smtClean="0"/>
-              <a:t>30. 10. 2019</a:t>
+              <a:t>31. 10. 2019</a:t>
             </a:fld>
             <a:endParaRPr lang="sk-SK"/>
           </a:p>
@@ -10178,7 +10208,7 @@
           <a:p>
             <a:fld id="{59A735E0-1A56-40B6-A953-4A03F1575F9D}" type="datetimeFigureOut">
               <a:rPr lang="sk-SK" smtClean="0"/>
-              <a:t>30. 10. 2019</a:t>
+              <a:t>31. 10. 2019</a:t>
             </a:fld>
             <a:endParaRPr lang="sk-SK"/>
           </a:p>
@@ -10443,7 +10473,7 @@
           <a:p>
             <a:fld id="{59A735E0-1A56-40B6-A953-4A03F1575F9D}" type="datetimeFigureOut">
               <a:rPr lang="sk-SK" smtClean="0"/>
-              <a:t>30. 10. 2019</a:t>
+              <a:t>31. 10. 2019</a:t>
             </a:fld>
             <a:endParaRPr lang="sk-SK"/>
           </a:p>
@@ -10855,7 +10885,7 @@
           <a:p>
             <a:fld id="{59A735E0-1A56-40B6-A953-4A03F1575F9D}" type="datetimeFigureOut">
               <a:rPr lang="sk-SK" smtClean="0"/>
-              <a:t>30. 10. 2019</a:t>
+              <a:t>31. 10. 2019</a:t>
             </a:fld>
             <a:endParaRPr lang="sk-SK"/>
           </a:p>
@@ -10996,7 +11026,7 @@
           <a:p>
             <a:fld id="{59A735E0-1A56-40B6-A953-4A03F1575F9D}" type="datetimeFigureOut">
               <a:rPr lang="sk-SK" smtClean="0"/>
-              <a:t>30. 10. 2019</a:t>
+              <a:t>31. 10. 2019</a:t>
             </a:fld>
             <a:endParaRPr lang="sk-SK"/>
           </a:p>
@@ -11109,7 +11139,7 @@
           <a:p>
             <a:fld id="{59A735E0-1A56-40B6-A953-4A03F1575F9D}" type="datetimeFigureOut">
               <a:rPr lang="sk-SK" smtClean="0"/>
-              <a:t>30. 10. 2019</a:t>
+              <a:t>31. 10. 2019</a:t>
             </a:fld>
             <a:endParaRPr lang="sk-SK"/>
           </a:p>
@@ -11420,7 +11450,7 @@
           <a:p>
             <a:fld id="{59A735E0-1A56-40B6-A953-4A03F1575F9D}" type="datetimeFigureOut">
               <a:rPr lang="sk-SK" smtClean="0"/>
-              <a:t>30. 10. 2019</a:t>
+              <a:t>31. 10. 2019</a:t>
             </a:fld>
             <a:endParaRPr lang="sk-SK"/>
           </a:p>
@@ -11708,7 +11738,7 @@
           <a:p>
             <a:fld id="{59A735E0-1A56-40B6-A953-4A03F1575F9D}" type="datetimeFigureOut">
               <a:rPr lang="sk-SK" smtClean="0"/>
-              <a:t>30. 10. 2019</a:t>
+              <a:t>31. 10. 2019</a:t>
             </a:fld>
             <a:endParaRPr lang="sk-SK"/>
           </a:p>
@@ -11949,7 +11979,7 @@
           <a:p>
             <a:fld id="{59A735E0-1A56-40B6-A953-4A03F1575F9D}" type="datetimeFigureOut">
               <a:rPr lang="sk-SK" smtClean="0"/>
-              <a:t>30. 10. 2019</a:t>
+              <a:t>31. 10. 2019</a:t>
             </a:fld>
             <a:endParaRPr lang="sk-SK"/>
           </a:p>
@@ -12970,6 +13000,283 @@
 </p:sld>
 </file>
 
+<file path=ppt/slides/slide10.xml><?xml version="1.0" encoding="utf-8"?>
+<p:sld xmlns:a="http://schemas.openxmlformats.org/drawingml/2006/main" xmlns:r="http://schemas.openxmlformats.org/officeDocument/2006/relationships" xmlns:p="http://schemas.openxmlformats.org/presentationml/2006/main">
+  <p:cSld>
+    <p:spTree>
+      <p:nvGrpSpPr>
+        <p:cNvPr id="1" name=""/>
+        <p:cNvGrpSpPr/>
+        <p:nvPr/>
+      </p:nvGrpSpPr>
+      <p:grpSpPr>
+        <a:xfrm>
+          <a:off x="0" y="0"/>
+          <a:ext cx="0" cy="0"/>
+          <a:chOff x="0" y="0"/>
+          <a:chExt cx="0" cy="0"/>
+        </a:xfrm>
+      </p:grpSpPr>
+      <p:sp>
+        <p:nvSpPr>
+          <p:cNvPr id="6" name="Obdĺžnik 5">
+            <a:extLst>
+              <a:ext uri="{FF2B5EF4-FFF2-40B4-BE49-F238E27FC236}">
+                <a16:creationId xmlns:a16="http://schemas.microsoft.com/office/drawing/2014/main" id="{CC692B29-05EF-4D22-A150-BB130218726E}"/>
+              </a:ext>
+            </a:extLst>
+          </p:cNvPr>
+          <p:cNvSpPr/>
+          <p:nvPr/>
+        </p:nvSpPr>
+        <p:spPr>
+          <a:xfrm>
+            <a:off x="120074" y="108860"/>
+            <a:ext cx="11951832" cy="6640280"/>
+          </a:xfrm>
+          <a:prstGeom prst="rect">
+            <a:avLst/>
+          </a:prstGeom>
+          <a:solidFill>
+            <a:schemeClr val="bg1"/>
+          </a:solidFill>
+          <a:ln w="38100">
+            <a:solidFill>
+              <a:schemeClr val="accent1">
+                <a:lumMod val="75000"/>
+              </a:schemeClr>
+            </a:solidFill>
+          </a:ln>
+        </p:spPr>
+        <p:style>
+          <a:lnRef idx="2">
+            <a:schemeClr val="accent1">
+              <a:shade val="50000"/>
+            </a:schemeClr>
+          </a:lnRef>
+          <a:fillRef idx="1">
+            <a:schemeClr val="accent1"/>
+          </a:fillRef>
+          <a:effectRef idx="0">
+            <a:schemeClr val="accent1"/>
+          </a:effectRef>
+          <a:fontRef idx="minor">
+            <a:schemeClr val="lt1"/>
+          </a:fontRef>
+        </p:style>
+        <p:txBody>
+          <a:bodyPr rtlCol="0" anchor="ctr"/>
+          <a:lstStyle/>
+          <a:p>
+            <a:pPr algn="ctr"/>
+            <a:endParaRPr lang="sk-SK" dirty="0"/>
+          </a:p>
+        </p:txBody>
+      </p:sp>
+      <p:pic>
+        <p:nvPicPr>
+          <p:cNvPr id="5" name="Picture 2" descr="Súvisiaci obrázok">
+            <a:extLst>
+              <a:ext uri="{FF2B5EF4-FFF2-40B4-BE49-F238E27FC236}">
+                <a16:creationId xmlns:a16="http://schemas.microsoft.com/office/drawing/2014/main" id="{520877C3-5457-491B-95DD-1BBAAEE8A9B5}"/>
+              </a:ext>
+            </a:extLst>
+          </p:cNvPr>
+          <p:cNvPicPr>
+            <a:picLocks noChangeAspect="1" noChangeArrowheads="1"/>
+          </p:cNvPicPr>
+          <p:nvPr/>
+        </p:nvPicPr>
+        <p:blipFill>
+          <a:blip r:embed="rId3">
+            <a:extLst>
+              <a:ext uri="{28A0092B-C50C-407E-A947-70E740481C1C}">
+                <a14:useLocalDpi xmlns:a14="http://schemas.microsoft.com/office/drawing/2010/main" val="0"/>
+              </a:ext>
+            </a:extLst>
+          </a:blip>
+          <a:stretch>
+            <a:fillRect/>
+          </a:stretch>
+        </p:blipFill>
+        <p:spPr bwMode="auto">
+          <a:xfrm>
+            <a:off x="10858522" y="6267997"/>
+            <a:ext cx="1150049" cy="376643"/>
+          </a:xfrm>
+          <a:prstGeom prst="rect">
+            <a:avLst/>
+          </a:prstGeom>
+          <a:noFill/>
+          <a:extLst>
+            <a:ext uri="{909E8E84-426E-40DD-AFC4-6F175D3DCCD1}">
+              <a14:hiddenFill xmlns:a14="http://schemas.microsoft.com/office/drawing/2010/main">
+                <a:solidFill>
+                  <a:srgbClr val="FFFFFF"/>
+                </a:solidFill>
+              </a14:hiddenFill>
+            </a:ext>
+          </a:extLst>
+        </p:spPr>
+      </p:pic>
+      <p:sp>
+        <p:nvSpPr>
+          <p:cNvPr id="7" name="Content Placeholder 2">
+            <a:extLst>
+              <a:ext uri="{FF2B5EF4-FFF2-40B4-BE49-F238E27FC236}">
+                <a16:creationId xmlns:a16="http://schemas.microsoft.com/office/drawing/2014/main" id="{AA8FCF8C-FB63-4C00-B07D-CA7DC59F0076}"/>
+              </a:ext>
+            </a:extLst>
+          </p:cNvPr>
+          <p:cNvSpPr>
+            <a:spLocks noGrp="1"/>
+          </p:cNvSpPr>
+          <p:nvPr>
+            <p:ph idx="1"/>
+          </p:nvPr>
+        </p:nvSpPr>
+        <p:spPr>
+          <a:xfrm>
+            <a:off x="472967" y="638503"/>
+            <a:ext cx="11154102" cy="5323709"/>
+          </a:xfrm>
+        </p:spPr>
+        <p:txBody>
+          <a:bodyPr>
+            <a:noAutofit/>
+          </a:bodyPr>
+          <a:lstStyle/>
+          <a:p>
+            <a:pPr marL="0" indent="0">
+              <a:lnSpc>
+                <a:spcPct val="150000"/>
+              </a:lnSpc>
+              <a:buNone/>
+            </a:pPr>
+            <a:r>
+              <a:rPr lang="sk-SK" sz="3200" b="1" i="1" dirty="0">
+                <a:solidFill>
+                  <a:srgbClr val="FF0000"/>
+                </a:solidFill>
+              </a:rPr>
+              <a:t>Profilovanie správania falošnými správami</a:t>
+            </a:r>
+          </a:p>
+          <a:p>
+            <a:pPr marL="0" indent="0">
+              <a:lnSpc>
+                <a:spcPct val="150000"/>
+              </a:lnSpc>
+              <a:buNone/>
+            </a:pPr>
+            <a:r>
+              <a:rPr lang="sk-SK" sz="3200" b="1" i="1" dirty="0"/>
+              <a:t>Falošné správy sa šíria neuveriteľne rýchlo</a:t>
+            </a:r>
+          </a:p>
+          <a:p>
+            <a:pPr marL="0" indent="0">
+              <a:lnSpc>
+                <a:spcPct val="150000"/>
+              </a:lnSpc>
+              <a:buNone/>
+            </a:pPr>
+            <a:r>
+              <a:rPr lang="sk-SK" sz="3200" b="1" i="1" dirty="0"/>
+              <a:t>Potrebná regulácia platformy, </a:t>
+            </a:r>
+            <a:r>
+              <a:rPr lang="sk-SK" sz="3200" b="1" i="1" dirty="0">
+                <a:solidFill>
+                  <a:srgbClr val="FF0000"/>
+                </a:solidFill>
+              </a:rPr>
+              <a:t>nie spomalenie tempa </a:t>
+            </a:r>
+            <a:r>
+              <a:rPr lang="sk-SK" sz="3200" b="1" i="1" dirty="0"/>
+              <a:t>inovácie</a:t>
+            </a:r>
+          </a:p>
+          <a:p>
+            <a:pPr marL="0" indent="0">
+              <a:lnSpc>
+                <a:spcPct val="150000"/>
+              </a:lnSpc>
+              <a:buNone/>
+            </a:pPr>
+            <a:r>
+              <a:rPr lang="sk-SK" sz="3200" b="1" i="1" dirty="0">
+                <a:solidFill>
+                  <a:schemeClr val="accent6">
+                    <a:lumMod val="75000"/>
+                  </a:schemeClr>
+                </a:solidFill>
+              </a:rPr>
+              <a:t>Kritické myslenie a overovanie si faktov</a:t>
+            </a:r>
+          </a:p>
+          <a:p>
+            <a:pPr marL="0" indent="0">
+              <a:lnSpc>
+                <a:spcPct val="150000"/>
+              </a:lnSpc>
+              <a:buNone/>
+            </a:pPr>
+            <a:r>
+              <a:rPr lang="sk-SK" sz="3200" b="1" i="1" dirty="0" err="1">
+                <a:solidFill>
+                  <a:schemeClr val="accent6">
+                    <a:lumMod val="75000"/>
+                  </a:schemeClr>
+                </a:solidFill>
+              </a:rPr>
+              <a:t>Koregulácia</a:t>
+            </a:r>
+            <a:r>
+              <a:rPr lang="sk-SK" sz="3200" b="1" i="1" dirty="0">
+                <a:solidFill>
+                  <a:schemeClr val="accent6">
+                    <a:lumMod val="75000"/>
+                  </a:schemeClr>
+                </a:solidFill>
+              </a:rPr>
+              <a:t>, kompromisy a globálny dohľad</a:t>
+            </a:r>
+          </a:p>
+          <a:p>
+            <a:pPr marL="0" indent="0">
+              <a:lnSpc>
+                <a:spcPct val="150000"/>
+              </a:lnSpc>
+              <a:buNone/>
+            </a:pPr>
+            <a:r>
+              <a:rPr lang="sk-SK" sz="3200" b="1" i="1" dirty="0">
+                <a:solidFill>
+                  <a:schemeClr val="accent6">
+                    <a:lumMod val="75000"/>
+                  </a:schemeClr>
+                </a:solidFill>
+              </a:rPr>
+              <a:t>Spolupráca právnikov a vedcov</a:t>
+            </a:r>
+          </a:p>
+        </p:txBody>
+      </p:sp>
+    </p:spTree>
+    <p:extLst>
+      <p:ext uri="{BB962C8B-B14F-4D97-AF65-F5344CB8AC3E}">
+        <p14:creationId xmlns:p14="http://schemas.microsoft.com/office/powerpoint/2010/main" val="239138146"/>
+      </p:ext>
+    </p:extLst>
+  </p:cSld>
+  <p:clrMapOvr>
+    <a:masterClrMapping/>
+  </p:clrMapOvr>
+</p:sld>
+</file>
+
 <file path=ppt/slides/slide2.xml><?xml version="1.0" encoding="utf-8"?>
 <p:sld xmlns:a="http://schemas.openxmlformats.org/drawingml/2006/main" xmlns:r="http://schemas.openxmlformats.org/officeDocument/2006/relationships" xmlns:p="http://schemas.openxmlformats.org/presentationml/2006/main">
   <p:cSld>
@@ -13453,19 +13760,7 @@
             </a:pPr>
             <a:r>
               <a:rPr lang="sk-SK" sz="3200" b="1" i="1" dirty="0"/>
-              <a:t>vyvolania </a:t>
-            </a:r>
-            <a:r>
-              <a:rPr lang="sk-SK" sz="3200" b="1" i="1" dirty="0">
-                <a:solidFill>
-                  <a:srgbClr val="FF0000"/>
-                </a:solidFill>
-              </a:rPr>
-              <a:t>reakcie</a:t>
-            </a:r>
-            <a:r>
-              <a:rPr lang="sk-SK" sz="3200" b="1" i="1" dirty="0"/>
-              <a:t> publika, </a:t>
+              <a:t>vyvolania reakcie publika, </a:t>
             </a:r>
           </a:p>
           <a:p>
@@ -13523,284 +13818,6 @@
   <p:clrMapOvr>
     <a:masterClrMapping/>
   </p:clrMapOvr>
-  <p:timing>
-    <p:tnLst>
-      <p:par>
-        <p:cTn id="1" dur="indefinite" restart="never" nodeType="tmRoot">
-          <p:childTnLst>
-            <p:seq concurrent="1" nextAc="seek">
-              <p:cTn id="2" dur="indefinite" nodeType="mainSeq">
-                <p:childTnLst>
-                  <p:par>
-                    <p:cTn id="3" fill="hold">
-                      <p:stCondLst>
-                        <p:cond delay="indefinite"/>
-                      </p:stCondLst>
-                      <p:childTnLst>
-                        <p:par>
-                          <p:cTn id="4" fill="hold">
-                            <p:stCondLst>
-                              <p:cond delay="0"/>
-                            </p:stCondLst>
-                            <p:childTnLst>
-                              <p:par>
-                                <p:cTn id="5" presetID="1" presetClass="entr" presetSubtype="0" fill="hold" grpId="0" nodeType="clickEffect">
-                                  <p:stCondLst>
-                                    <p:cond delay="0"/>
-                                  </p:stCondLst>
-                                  <p:childTnLst>
-                                    <p:set>
-                                      <p:cBhvr>
-                                        <p:cTn id="6" dur="1" fill="hold">
-                                          <p:stCondLst>
-                                            <p:cond delay="0"/>
-                                          </p:stCondLst>
-                                        </p:cTn>
-                                        <p:tgtEl>
-                                          <p:spTgt spid="7">
-                                            <p:txEl>
-                                              <p:pRg st="1" end="1"/>
-                                            </p:txEl>
-                                          </p:spTgt>
-                                        </p:tgtEl>
-                                        <p:attrNameLst>
-                                          <p:attrName>style.visibility</p:attrName>
-                                        </p:attrNameLst>
-                                      </p:cBhvr>
-                                      <p:to>
-                                        <p:strVal val="visible"/>
-                                      </p:to>
-                                    </p:set>
-                                  </p:childTnLst>
-                                </p:cTn>
-                              </p:par>
-                            </p:childTnLst>
-                          </p:cTn>
-                        </p:par>
-                      </p:childTnLst>
-                    </p:cTn>
-                  </p:par>
-                  <p:par>
-                    <p:cTn id="7" fill="hold">
-                      <p:stCondLst>
-                        <p:cond delay="indefinite"/>
-                      </p:stCondLst>
-                      <p:childTnLst>
-                        <p:par>
-                          <p:cTn id="8" fill="hold">
-                            <p:stCondLst>
-                              <p:cond delay="0"/>
-                            </p:stCondLst>
-                            <p:childTnLst>
-                              <p:par>
-                                <p:cTn id="9" presetID="1" presetClass="entr" presetSubtype="0" fill="hold" grpId="0" nodeType="clickEffect">
-                                  <p:stCondLst>
-                                    <p:cond delay="0"/>
-                                  </p:stCondLst>
-                                  <p:childTnLst>
-                                    <p:set>
-                                      <p:cBhvr>
-                                        <p:cTn id="10" dur="1" fill="hold">
-                                          <p:stCondLst>
-                                            <p:cond delay="0"/>
-                                          </p:stCondLst>
-                                        </p:cTn>
-                                        <p:tgtEl>
-                                          <p:spTgt spid="7">
-                                            <p:txEl>
-                                              <p:pRg st="3" end="3"/>
-                                            </p:txEl>
-                                          </p:spTgt>
-                                        </p:tgtEl>
-                                        <p:attrNameLst>
-                                          <p:attrName>style.visibility</p:attrName>
-                                        </p:attrNameLst>
-                                      </p:cBhvr>
-                                      <p:to>
-                                        <p:strVal val="visible"/>
-                                      </p:to>
-                                    </p:set>
-                                  </p:childTnLst>
-                                </p:cTn>
-                              </p:par>
-                            </p:childTnLst>
-                          </p:cTn>
-                        </p:par>
-                      </p:childTnLst>
-                    </p:cTn>
-                  </p:par>
-                  <p:par>
-                    <p:cTn id="11" fill="hold">
-                      <p:stCondLst>
-                        <p:cond delay="indefinite"/>
-                      </p:stCondLst>
-                      <p:childTnLst>
-                        <p:par>
-                          <p:cTn id="12" fill="hold">
-                            <p:stCondLst>
-                              <p:cond delay="0"/>
-                            </p:stCondLst>
-                            <p:childTnLst>
-                              <p:par>
-                                <p:cTn id="13" presetID="1" presetClass="entr" presetSubtype="0" fill="hold" grpId="0" nodeType="clickEffect">
-                                  <p:stCondLst>
-                                    <p:cond delay="0"/>
-                                  </p:stCondLst>
-                                  <p:childTnLst>
-                                    <p:set>
-                                      <p:cBhvr>
-                                        <p:cTn id="14" dur="1" fill="hold">
-                                          <p:stCondLst>
-                                            <p:cond delay="0"/>
-                                          </p:stCondLst>
-                                        </p:cTn>
-                                        <p:tgtEl>
-                                          <p:spTgt spid="7">
-                                            <p:txEl>
-                                              <p:pRg st="4" end="4"/>
-                                            </p:txEl>
-                                          </p:spTgt>
-                                        </p:tgtEl>
-                                        <p:attrNameLst>
-                                          <p:attrName>style.visibility</p:attrName>
-                                        </p:attrNameLst>
-                                      </p:cBhvr>
-                                      <p:to>
-                                        <p:strVal val="visible"/>
-                                      </p:to>
-                                    </p:set>
-                                  </p:childTnLst>
-                                </p:cTn>
-                              </p:par>
-                            </p:childTnLst>
-                          </p:cTn>
-                        </p:par>
-                      </p:childTnLst>
-                    </p:cTn>
-                  </p:par>
-                  <p:par>
-                    <p:cTn id="15" fill="hold">
-                      <p:stCondLst>
-                        <p:cond delay="indefinite"/>
-                      </p:stCondLst>
-                      <p:childTnLst>
-                        <p:par>
-                          <p:cTn id="16" fill="hold">
-                            <p:stCondLst>
-                              <p:cond delay="0"/>
-                            </p:stCondLst>
-                            <p:childTnLst>
-                              <p:par>
-                                <p:cTn id="17" presetID="1" presetClass="entr" presetSubtype="0" fill="hold" grpId="0" nodeType="clickEffect">
-                                  <p:stCondLst>
-                                    <p:cond delay="0"/>
-                                  </p:stCondLst>
-                                  <p:childTnLst>
-                                    <p:set>
-                                      <p:cBhvr>
-                                        <p:cTn id="18" dur="1" fill="hold">
-                                          <p:stCondLst>
-                                            <p:cond delay="0"/>
-                                          </p:stCondLst>
-                                        </p:cTn>
-                                        <p:tgtEl>
-                                          <p:spTgt spid="7">
-                                            <p:txEl>
-                                              <p:pRg st="5" end="5"/>
-                                            </p:txEl>
-                                          </p:spTgt>
-                                        </p:tgtEl>
-                                        <p:attrNameLst>
-                                          <p:attrName>style.visibility</p:attrName>
-                                        </p:attrNameLst>
-                                      </p:cBhvr>
-                                      <p:to>
-                                        <p:strVal val="visible"/>
-                                      </p:to>
-                                    </p:set>
-                                  </p:childTnLst>
-                                </p:cTn>
-                              </p:par>
-                            </p:childTnLst>
-                          </p:cTn>
-                        </p:par>
-                      </p:childTnLst>
-                    </p:cTn>
-                  </p:par>
-                  <p:par>
-                    <p:cTn id="19" fill="hold">
-                      <p:stCondLst>
-                        <p:cond delay="indefinite"/>
-                      </p:stCondLst>
-                      <p:childTnLst>
-                        <p:par>
-                          <p:cTn id="20" fill="hold">
-                            <p:stCondLst>
-                              <p:cond delay="0"/>
-                            </p:stCondLst>
-                            <p:childTnLst>
-                              <p:par>
-                                <p:cTn id="21" presetID="1" presetClass="entr" presetSubtype="0" fill="hold" grpId="0" nodeType="clickEffect">
-                                  <p:stCondLst>
-                                    <p:cond delay="0"/>
-                                  </p:stCondLst>
-                                  <p:childTnLst>
-                                    <p:set>
-                                      <p:cBhvr>
-                                        <p:cTn id="22" dur="1" fill="hold">
-                                          <p:stCondLst>
-                                            <p:cond delay="0"/>
-                                          </p:stCondLst>
-                                        </p:cTn>
-                                        <p:tgtEl>
-                                          <p:spTgt spid="7">
-                                            <p:txEl>
-                                              <p:pRg st="6" end="6"/>
-                                            </p:txEl>
-                                          </p:spTgt>
-                                        </p:tgtEl>
-                                        <p:attrNameLst>
-                                          <p:attrName>style.visibility</p:attrName>
-                                        </p:attrNameLst>
-                                      </p:cBhvr>
-                                      <p:to>
-                                        <p:strVal val="visible"/>
-                                      </p:to>
-                                    </p:set>
-                                  </p:childTnLst>
-                                </p:cTn>
-                              </p:par>
-                            </p:childTnLst>
-                          </p:cTn>
-                        </p:par>
-                      </p:childTnLst>
-                    </p:cTn>
-                  </p:par>
-                </p:childTnLst>
-              </p:cTn>
-              <p:prevCondLst>
-                <p:cond evt="onPrev" delay="0">
-                  <p:tgtEl>
-                    <p:sldTgt/>
-                  </p:tgtEl>
-                </p:cond>
-              </p:prevCondLst>
-              <p:nextCondLst>
-                <p:cond evt="onNext" delay="0">
-                  <p:tgtEl>
-                    <p:sldTgt/>
-                  </p:tgtEl>
-                </p:cond>
-              </p:nextCondLst>
-            </p:seq>
-          </p:childTnLst>
-        </p:cTn>
-      </p:par>
-    </p:tnLst>
-    <p:bldLst>
-      <p:bldP spid="7" grpId="0" build="p"/>
-    </p:bldLst>
-  </p:timing>
 </p:sld>
 </file>
 
@@ -14165,14 +14182,6 @@
 <file path=ppt/slides/slide5.xml><?xml version="1.0" encoding="utf-8"?>
 <p:sld xmlns:a="http://schemas.openxmlformats.org/drawingml/2006/main" xmlns:r="http://schemas.openxmlformats.org/officeDocument/2006/relationships" xmlns:p="http://schemas.openxmlformats.org/presentationml/2006/main">
   <p:cSld>
-    <p:bg>
-      <p:bgPr>
-        <a:solidFill>
-          <a:schemeClr val="bg1"/>
-        </a:solidFill>
-        <a:effectLst/>
-      </p:bgPr>
-    </p:bg>
     <p:spTree>
       <p:nvGrpSpPr>
         <p:cNvPr id="1" name=""/>
@@ -14189,10 +14198,10 @@
       </p:grpSpPr>
       <p:sp>
         <p:nvSpPr>
-          <p:cNvPr id="2" name="Obdĺžnik 1">
+          <p:cNvPr id="6" name="Obdĺžnik 5">
             <a:extLst>
               <a:ext uri="{FF2B5EF4-FFF2-40B4-BE49-F238E27FC236}">
-                <a16:creationId xmlns:a16="http://schemas.microsoft.com/office/drawing/2014/main" id="{91B9F93F-1BE1-4CEA-BB72-554AB74FA2F3}"/>
+                <a16:creationId xmlns:a16="http://schemas.microsoft.com/office/drawing/2014/main" id="{CC692B29-05EF-4D22-A150-BB130218726E}"/>
               </a:ext>
             </a:extLst>
           </p:cNvPr>
@@ -14243,12 +14252,78 @@
           </a:p>
         </p:txBody>
       </p:sp>
+      <p:sp>
+        <p:nvSpPr>
+          <p:cNvPr id="4" name="Title 1">
+            <a:extLst>
+              <a:ext uri="{FF2B5EF4-FFF2-40B4-BE49-F238E27FC236}">
+                <a16:creationId xmlns:a16="http://schemas.microsoft.com/office/drawing/2014/main" id="{B2556E03-4892-4103-918A-83CA66F0FEB8}"/>
+              </a:ext>
+            </a:extLst>
+          </p:cNvPr>
+          <p:cNvSpPr>
+            <a:spLocks noGrp="1"/>
+          </p:cNvSpPr>
+          <p:nvPr>
+            <p:ph type="title"/>
+          </p:nvPr>
+        </p:nvSpPr>
+        <p:spPr>
+          <a:xfrm>
+            <a:off x="0" y="2564904"/>
+            <a:ext cx="12191999" cy="1143000"/>
+          </a:xfrm>
+        </p:spPr>
+        <p:txBody>
+          <a:bodyPr>
+            <a:normAutofit/>
+          </a:bodyPr>
+          <a:lstStyle/>
+          <a:p>
+            <a:pPr algn="ctr"/>
+            <a:r>
+              <a:rPr lang="sk-SK" b="1" dirty="0"/>
+              <a:t>Ako ovplyvňujú sociálne siete </a:t>
+            </a:r>
+            <a:r>
+              <a:rPr lang="sk-SK" b="1" dirty="0">
+                <a:solidFill>
+                  <a:schemeClr val="accent1">
+                    <a:lumMod val="75000"/>
+                  </a:schemeClr>
+                </a:solidFill>
+              </a:rPr>
+              <a:t>šírenie</a:t>
+            </a:r>
+            <a:r>
+              <a:rPr lang="sk-SK" b="1" dirty="0"/>
+              <a:t> „</a:t>
+            </a:r>
+            <a:r>
+              <a:rPr lang="sk-SK" b="1" dirty="0" err="1"/>
+              <a:t>fake</a:t>
+            </a:r>
+            <a:r>
+              <a:rPr lang="sk-SK" b="1" dirty="0"/>
+              <a:t> </a:t>
+            </a:r>
+            <a:r>
+              <a:rPr lang="sk-SK" b="1" dirty="0" err="1"/>
+              <a:t>news</a:t>
+            </a:r>
+            <a:r>
+              <a:rPr lang="sk-SK" b="1" dirty="0"/>
+              <a:t>“ ?</a:t>
+            </a:r>
+          </a:p>
+        </p:txBody>
+      </p:sp>
       <p:pic>
         <p:nvPicPr>
-          <p:cNvPr id="6" name="Picture 2" descr="Súvisiaci obrázok">
+          <p:cNvPr id="5" name="Picture 2" descr="Súvisiaci obrázok">
             <a:extLst>
               <a:ext uri="{FF2B5EF4-FFF2-40B4-BE49-F238E27FC236}">
-                <a16:creationId xmlns:a16="http://schemas.microsoft.com/office/drawing/2014/main" id="{57463E20-EEF1-47A7-8B07-3537BF1C52E5}"/>
+                <a16:creationId xmlns:a16="http://schemas.microsoft.com/office/drawing/2014/main" id="{520877C3-5457-491B-95DD-1BBAAEE8A9B5}"/>
               </a:ext>
             </a:extLst>
           </p:cNvPr>
@@ -14258,7 +14333,7 @@
           <p:nvPr/>
         </p:nvPicPr>
         <p:blipFill>
-          <a:blip r:embed="rId3">
+          <a:blip r:embed="rId2">
             <a:extLst>
               <a:ext uri="{28A0092B-C50C-407E-A947-70E740481C1C}">
                 <a14:useLocalDpi xmlns:a14="http://schemas.microsoft.com/office/drawing/2010/main" val="0"/>
@@ -14289,78 +14364,12 @@
           </a:extLst>
         </p:spPr>
       </p:pic>
-      <p:sp>
-        <p:nvSpPr>
-          <p:cNvPr id="8" name="Title 1">
+      <p:pic>
+        <p:nvPicPr>
+          <p:cNvPr id="8" name="Picture 2" descr="https://pixabay.com/static/uploads/photo/2012/04/23/15/41/question-38595_960_720.png">
             <a:extLst>
               <a:ext uri="{FF2B5EF4-FFF2-40B4-BE49-F238E27FC236}">
-                <a16:creationId xmlns:a16="http://schemas.microsoft.com/office/drawing/2014/main" id="{D70A9745-F71A-47BD-BB03-74B907EDD8EC}"/>
-              </a:ext>
-            </a:extLst>
-          </p:cNvPr>
-          <p:cNvSpPr>
-            <a:spLocks noGrp="1"/>
-          </p:cNvSpPr>
-          <p:nvPr>
-            <p:ph type="title"/>
-          </p:nvPr>
-        </p:nvSpPr>
-        <p:spPr>
-          <a:xfrm>
-            <a:off x="-10" y="539034"/>
-            <a:ext cx="12191999" cy="1873089"/>
-          </a:xfrm>
-        </p:spPr>
-        <p:txBody>
-          <a:bodyPr>
-            <a:normAutofit fontScale="90000"/>
-          </a:bodyPr>
-          <a:lstStyle/>
-          <a:p>
-            <a:pPr algn="ctr"/>
-            <a:r>
-              <a:rPr lang="sk-SK" b="1" dirty="0">
-                <a:solidFill>
-                  <a:schemeClr val="accent1">
-                    <a:lumMod val="75000"/>
-                  </a:schemeClr>
-                </a:solidFill>
-              </a:rPr>
-              <a:t>Sociálne siete </a:t>
-            </a:r>
-            <a:br>
-              <a:rPr lang="sk-SK" b="1" dirty="0">
-                <a:solidFill>
-                  <a:schemeClr val="accent1">
-                    <a:lumMod val="75000"/>
-                  </a:schemeClr>
-                </a:solidFill>
-              </a:rPr>
-            </a:br>
-            <a:r>
-              <a:rPr lang="sk-SK" b="1" dirty="0"/>
-              <a:t>postupne menia falošné správy na </a:t>
-            </a:r>
-            <a:br>
-              <a:rPr lang="sk-SK" b="1" dirty="0"/>
-            </a:br>
-            <a:r>
-              <a:rPr lang="sk-SK" b="1" dirty="0">
-                <a:solidFill>
-                  <a:srgbClr val="FF0000"/>
-                </a:solidFill>
-              </a:rPr>
-              <a:t>vážny problém</a:t>
-            </a:r>
-          </a:p>
-        </p:txBody>
-      </p:sp>
-      <p:pic>
-        <p:nvPicPr>
-          <p:cNvPr id="5122" name="Picture 2" descr="Why Gossip Can Save Your Life">
-            <a:extLst>
-              <a:ext uri="{FF2B5EF4-FFF2-40B4-BE49-F238E27FC236}">
-                <a16:creationId xmlns:a16="http://schemas.microsoft.com/office/drawing/2014/main" id="{3F8447B1-1F61-4718-9B90-812B7154DC93}"/>
+                <a16:creationId xmlns:a16="http://schemas.microsoft.com/office/drawing/2014/main" id="{38C4853B-233B-4CB1-9971-7BD8FB04A0E0}"/>
               </a:ext>
             </a:extLst>
           </p:cNvPr>
@@ -14370,8 +14379,20 @@
           <p:nvPr/>
         </p:nvPicPr>
         <p:blipFill>
-          <a:blip r:embed="rId4">
+          <a:blip r:embed="rId3" cstate="print">
             <a:extLst>
+              <a:ext uri="{BEBA8EAE-BF5A-486C-A8C5-ECC9F3942E4B}">
+                <a14:imgProps xmlns:a14="http://schemas.microsoft.com/office/drawing/2010/main">
+                  <a14:imgLayer r:embed="rId4">
+                    <a14:imgEffect>
+                      <a14:artisticLineDrawing/>
+                    </a14:imgEffect>
+                    <a14:imgEffect>
+                      <a14:saturation sat="0"/>
+                    </a14:imgEffect>
+                  </a14:imgLayer>
+                </a14:imgProps>
+              </a:ext>
               <a:ext uri="{28A0092B-C50C-407E-A947-70E740481C1C}">
                 <a14:useLocalDpi xmlns:a14="http://schemas.microsoft.com/office/drawing/2010/main" val="0"/>
               </a:ext>
@@ -14384,8 +14405,8 @@
         </p:blipFill>
         <p:spPr bwMode="auto">
           <a:xfrm>
-            <a:off x="3364224" y="2842297"/>
-            <a:ext cx="5463530" cy="3071101"/>
+            <a:off x="5497614" y="3707904"/>
+            <a:ext cx="1196752" cy="1196752"/>
           </a:xfrm>
           <a:prstGeom prst="rect">
             <a:avLst/>
@@ -14405,7 +14426,7 @@
     </p:spTree>
     <p:extLst>
       <p:ext uri="{BB962C8B-B14F-4D97-AF65-F5344CB8AC3E}">
-        <p14:creationId xmlns:p14="http://schemas.microsoft.com/office/powerpoint/2010/main" val="3548290718"/>
+        <p14:creationId xmlns:p14="http://schemas.microsoft.com/office/powerpoint/2010/main" val="2609897048"/>
       </p:ext>
     </p:extLst>
   </p:cSld>
@@ -14655,38 +14676,10 @@
           </a:extLst>
         </p:spPr>
       </p:pic>
-      <p:graphicFrame>
-        <p:nvGraphicFramePr>
-          <p:cNvPr id="3" name="Diagram 2">
-            <a:extLst>
-              <a:ext uri="{FF2B5EF4-FFF2-40B4-BE49-F238E27FC236}">
-                <a16:creationId xmlns:a16="http://schemas.microsoft.com/office/drawing/2014/main" id="{33C81F55-027C-4CAE-B9A3-C626B24745C9}"/>
-              </a:ext>
-            </a:extLst>
-          </p:cNvPr>
-          <p:cNvGraphicFramePr/>
-          <p:nvPr>
-            <p:extLst>
-              <p:ext uri="{D42A27DB-BD31-4B8C-83A1-F6EECF244321}">
-                <p14:modId xmlns:p14="http://schemas.microsoft.com/office/powerpoint/2010/main" val="1985396318"/>
-              </p:ext>
-            </p:extLst>
-          </p:nvPr>
-        </p:nvGraphicFramePr>
-        <p:xfrm>
-          <a:off x="1160511" y="944602"/>
-          <a:ext cx="9870977" cy="6580652"/>
-        </p:xfrm>
-        <a:graphic>
-          <a:graphicData uri="http://schemas.openxmlformats.org/drawingml/2006/diagram">
-            <dgm:relIds xmlns:dgm="http://schemas.openxmlformats.org/drawingml/2006/diagram" xmlns:r="http://schemas.openxmlformats.org/officeDocument/2006/relationships" r:dm="rId5" r:lo="rId6" r:qs="rId7" r:cs="rId8"/>
-          </a:graphicData>
-        </a:graphic>
-      </p:graphicFrame>
     </p:spTree>
     <p:extLst>
       <p:ext uri="{BB962C8B-B14F-4D97-AF65-F5344CB8AC3E}">
-        <p14:creationId xmlns:p14="http://schemas.microsoft.com/office/powerpoint/2010/main" val="2518158661"/>
+        <p14:creationId xmlns:p14="http://schemas.microsoft.com/office/powerpoint/2010/main" val="3548290718"/>
       </p:ext>
     </p:extLst>
   </p:cSld>
@@ -14699,6 +14692,14 @@
 <file path=ppt/slides/slide7.xml><?xml version="1.0" encoding="utf-8"?>
 <p:sld xmlns:a="http://schemas.openxmlformats.org/drawingml/2006/main" xmlns:r="http://schemas.openxmlformats.org/officeDocument/2006/relationships" xmlns:p="http://schemas.openxmlformats.org/presentationml/2006/main">
   <p:cSld>
+    <p:bg>
+      <p:bgPr>
+        <a:solidFill>
+          <a:schemeClr val="bg1"/>
+        </a:solidFill>
+        <a:effectLst/>
+      </p:bgPr>
+    </p:bg>
     <p:spTree>
       <p:nvGrpSpPr>
         <p:cNvPr id="1" name=""/>
@@ -14715,10 +14716,10 @@
       </p:grpSpPr>
       <p:sp>
         <p:nvSpPr>
-          <p:cNvPr id="6" name="Obdĺžnik 5">
+          <p:cNvPr id="2" name="Obdĺžnik 1">
             <a:extLst>
               <a:ext uri="{FF2B5EF4-FFF2-40B4-BE49-F238E27FC236}">
-                <a16:creationId xmlns:a16="http://schemas.microsoft.com/office/drawing/2014/main" id="{CC692B29-05EF-4D22-A150-BB130218726E}"/>
+                <a16:creationId xmlns:a16="http://schemas.microsoft.com/office/drawing/2014/main" id="{91B9F93F-1BE1-4CEA-BB72-554AB74FA2F3}"/>
               </a:ext>
             </a:extLst>
           </p:cNvPr>
@@ -14769,76 +14770,12 @@
           </a:p>
         </p:txBody>
       </p:sp>
-      <p:sp>
-        <p:nvSpPr>
-          <p:cNvPr id="4" name="Title 1">
+      <p:pic>
+        <p:nvPicPr>
+          <p:cNvPr id="6" name="Picture 2" descr="Súvisiaci obrázok">
             <a:extLst>
               <a:ext uri="{FF2B5EF4-FFF2-40B4-BE49-F238E27FC236}">
-                <a16:creationId xmlns:a16="http://schemas.microsoft.com/office/drawing/2014/main" id="{B2556E03-4892-4103-918A-83CA66F0FEB8}"/>
-              </a:ext>
-            </a:extLst>
-          </p:cNvPr>
-          <p:cNvSpPr>
-            <a:spLocks noGrp="1"/>
-          </p:cNvSpPr>
-          <p:nvPr>
-            <p:ph type="title"/>
-          </p:nvPr>
-        </p:nvSpPr>
-        <p:spPr>
-          <a:xfrm>
-            <a:off x="0" y="2564904"/>
-            <a:ext cx="12191999" cy="1143000"/>
-          </a:xfrm>
-        </p:spPr>
-        <p:txBody>
-          <a:bodyPr>
-            <a:normAutofit/>
-          </a:bodyPr>
-          <a:lstStyle/>
-          <a:p>
-            <a:pPr algn="ctr"/>
-            <a:r>
-              <a:rPr lang="sk-SK" b="1" dirty="0"/>
-              <a:t>Drží </a:t>
-            </a:r>
-            <a:r>
-              <a:rPr lang="sk-SK" b="1" dirty="0">
-                <a:solidFill>
-                  <a:schemeClr val="accent1">
-                    <a:lumMod val="75000"/>
-                  </a:schemeClr>
-                </a:solidFill>
-              </a:rPr>
-              <a:t>PRÁVO</a:t>
-            </a:r>
-            <a:r>
-              <a:rPr lang="sk-SK" b="1" dirty="0"/>
-              <a:t> krok s </a:t>
-            </a:r>
-            <a:r>
-              <a:rPr lang="sk-SK" b="1" dirty="0">
-                <a:solidFill>
-                  <a:schemeClr val="accent1">
-                    <a:lumMod val="75000"/>
-                  </a:schemeClr>
-                </a:solidFill>
-              </a:rPr>
-              <a:t>INFORMATIKOU</a:t>
-            </a:r>
-            <a:r>
-              <a:rPr lang="sk-SK" b="1" dirty="0"/>
-              <a:t>?</a:t>
-            </a:r>
-          </a:p>
-        </p:txBody>
-      </p:sp>
-      <p:pic>
-        <p:nvPicPr>
-          <p:cNvPr id="5" name="Picture 2" descr="Súvisiaci obrázok">
-            <a:extLst>
-              <a:ext uri="{FF2B5EF4-FFF2-40B4-BE49-F238E27FC236}">
-                <a16:creationId xmlns:a16="http://schemas.microsoft.com/office/drawing/2014/main" id="{520877C3-5457-491B-95DD-1BBAAEE8A9B5}"/>
+                <a16:creationId xmlns:a16="http://schemas.microsoft.com/office/drawing/2014/main" id="{57463E20-EEF1-47A7-8B07-3537BF1C52E5}"/>
               </a:ext>
             </a:extLst>
           </p:cNvPr>
@@ -14879,12 +14816,78 @@
           </a:extLst>
         </p:spPr>
       </p:pic>
+      <p:sp>
+        <p:nvSpPr>
+          <p:cNvPr id="8" name="Title 1">
+            <a:extLst>
+              <a:ext uri="{FF2B5EF4-FFF2-40B4-BE49-F238E27FC236}">
+                <a16:creationId xmlns:a16="http://schemas.microsoft.com/office/drawing/2014/main" id="{D70A9745-F71A-47BD-BB03-74B907EDD8EC}"/>
+              </a:ext>
+            </a:extLst>
+          </p:cNvPr>
+          <p:cNvSpPr>
+            <a:spLocks noGrp="1"/>
+          </p:cNvSpPr>
+          <p:nvPr>
+            <p:ph type="title"/>
+          </p:nvPr>
+        </p:nvSpPr>
+        <p:spPr>
+          <a:xfrm>
+            <a:off x="-10" y="539034"/>
+            <a:ext cx="12191999" cy="1873089"/>
+          </a:xfrm>
+        </p:spPr>
+        <p:txBody>
+          <a:bodyPr>
+            <a:normAutofit fontScale="90000"/>
+          </a:bodyPr>
+          <a:lstStyle/>
+          <a:p>
+            <a:pPr algn="ctr"/>
+            <a:r>
+              <a:rPr lang="sk-SK" b="1" dirty="0">
+                <a:solidFill>
+                  <a:schemeClr val="accent1">
+                    <a:lumMod val="75000"/>
+                  </a:schemeClr>
+                </a:solidFill>
+              </a:rPr>
+              <a:t>Sociálne siete </a:t>
+            </a:r>
+            <a:br>
+              <a:rPr lang="sk-SK" b="1" dirty="0">
+                <a:solidFill>
+                  <a:schemeClr val="accent1">
+                    <a:lumMod val="75000"/>
+                  </a:schemeClr>
+                </a:solidFill>
+              </a:rPr>
+            </a:br>
+            <a:r>
+              <a:rPr lang="sk-SK" b="1" dirty="0"/>
+              <a:t>postupne menia falošné správy na </a:t>
+            </a:r>
+            <a:br>
+              <a:rPr lang="sk-SK" b="1" dirty="0"/>
+            </a:br>
+            <a:r>
+              <a:rPr lang="sk-SK" b="1" dirty="0">
+                <a:solidFill>
+                  <a:srgbClr val="FF0000"/>
+                </a:solidFill>
+              </a:rPr>
+              <a:t>vážny problém</a:t>
+            </a:r>
+          </a:p>
+        </p:txBody>
+      </p:sp>
       <p:pic>
         <p:nvPicPr>
-          <p:cNvPr id="7" name="Picture 2" descr="https://pixabay.com/static/uploads/photo/2012/04/23/15/41/question-38595_960_720.png">
+          <p:cNvPr id="5122" name="Picture 2" descr="Why Gossip Can Save Your Life">
             <a:extLst>
               <a:ext uri="{FF2B5EF4-FFF2-40B4-BE49-F238E27FC236}">
-                <a16:creationId xmlns:a16="http://schemas.microsoft.com/office/drawing/2014/main" id="{85E1313E-D3F7-4FBD-ABBD-B8B9B48F9996}"/>
+                <a16:creationId xmlns:a16="http://schemas.microsoft.com/office/drawing/2014/main" id="{3F8447B1-1F61-4718-9B90-812B7154DC93}"/>
               </a:ext>
             </a:extLst>
           </p:cNvPr>
@@ -14894,20 +14897,8 @@
           <p:nvPr/>
         </p:nvPicPr>
         <p:blipFill>
-          <a:blip r:embed="rId4" cstate="print">
+          <a:blip r:embed="rId4">
             <a:extLst>
-              <a:ext uri="{BEBA8EAE-BF5A-486C-A8C5-ECC9F3942E4B}">
-                <a14:imgProps xmlns:a14="http://schemas.microsoft.com/office/drawing/2010/main">
-                  <a14:imgLayer r:embed="rId5">
-                    <a14:imgEffect>
-                      <a14:artisticLineDrawing/>
-                    </a14:imgEffect>
-                    <a14:imgEffect>
-                      <a14:saturation sat="0"/>
-                    </a14:imgEffect>
-                  </a14:imgLayer>
-                </a14:imgProps>
-              </a:ext>
               <a:ext uri="{28A0092B-C50C-407E-A947-70E740481C1C}">
                 <a14:useLocalDpi xmlns:a14="http://schemas.microsoft.com/office/drawing/2010/main" val="0"/>
               </a:ext>
@@ -14920,8 +14911,8 @@
         </p:blipFill>
         <p:spPr bwMode="auto">
           <a:xfrm>
-            <a:off x="5497614" y="3707904"/>
-            <a:ext cx="1196752" cy="1196752"/>
+            <a:off x="3364224" y="2842297"/>
+            <a:ext cx="5463530" cy="3071101"/>
           </a:xfrm>
           <a:prstGeom prst="rect">
             <a:avLst/>
@@ -14938,10 +14929,38 @@
           </a:extLst>
         </p:spPr>
       </p:pic>
+      <p:graphicFrame>
+        <p:nvGraphicFramePr>
+          <p:cNvPr id="3" name="Diagram 2">
+            <a:extLst>
+              <a:ext uri="{FF2B5EF4-FFF2-40B4-BE49-F238E27FC236}">
+                <a16:creationId xmlns:a16="http://schemas.microsoft.com/office/drawing/2014/main" id="{33C81F55-027C-4CAE-B9A3-C626B24745C9}"/>
+              </a:ext>
+            </a:extLst>
+          </p:cNvPr>
+          <p:cNvGraphicFramePr/>
+          <p:nvPr>
+            <p:extLst>
+              <p:ext uri="{D42A27DB-BD31-4B8C-83A1-F6EECF244321}">
+                <p14:modId xmlns:p14="http://schemas.microsoft.com/office/powerpoint/2010/main" val="1985396318"/>
+              </p:ext>
+            </p:extLst>
+          </p:nvPr>
+        </p:nvGraphicFramePr>
+        <p:xfrm>
+          <a:off x="1160511" y="944602"/>
+          <a:ext cx="9870977" cy="6580652"/>
+        </p:xfrm>
+        <a:graphic>
+          <a:graphicData uri="http://schemas.openxmlformats.org/drawingml/2006/diagram">
+            <dgm:relIds xmlns:dgm="http://schemas.openxmlformats.org/drawingml/2006/diagram" xmlns:r="http://schemas.openxmlformats.org/officeDocument/2006/relationships" r:dm="rId5" r:lo="rId6" r:qs="rId7" r:cs="rId8"/>
+          </a:graphicData>
+        </a:graphic>
+      </p:graphicFrame>
     </p:spTree>
     <p:extLst>
       <p:ext uri="{BB962C8B-B14F-4D97-AF65-F5344CB8AC3E}">
-        <p14:creationId xmlns:p14="http://schemas.microsoft.com/office/powerpoint/2010/main" val="2601960129"/>
+        <p14:creationId xmlns:p14="http://schemas.microsoft.com/office/powerpoint/2010/main" val="2518158661"/>
       </p:ext>
     </p:extLst>
   </p:cSld>
@@ -15024,6 +15043,70 @@
           </a:p>
         </p:txBody>
       </p:sp>
+      <p:sp>
+        <p:nvSpPr>
+          <p:cNvPr id="4" name="Title 1">
+            <a:extLst>
+              <a:ext uri="{FF2B5EF4-FFF2-40B4-BE49-F238E27FC236}">
+                <a16:creationId xmlns:a16="http://schemas.microsoft.com/office/drawing/2014/main" id="{B2556E03-4892-4103-918A-83CA66F0FEB8}"/>
+              </a:ext>
+            </a:extLst>
+          </p:cNvPr>
+          <p:cNvSpPr>
+            <a:spLocks noGrp="1"/>
+          </p:cNvSpPr>
+          <p:nvPr>
+            <p:ph type="title"/>
+          </p:nvPr>
+        </p:nvSpPr>
+        <p:spPr>
+          <a:xfrm>
+            <a:off x="0" y="2564904"/>
+            <a:ext cx="12191999" cy="1143000"/>
+          </a:xfrm>
+        </p:spPr>
+        <p:txBody>
+          <a:bodyPr>
+            <a:normAutofit/>
+          </a:bodyPr>
+          <a:lstStyle/>
+          <a:p>
+            <a:pPr algn="ctr"/>
+            <a:r>
+              <a:rPr lang="sk-SK" b="1" dirty="0"/>
+              <a:t>Drží </a:t>
+            </a:r>
+            <a:r>
+              <a:rPr lang="sk-SK" b="1" dirty="0">
+                <a:solidFill>
+                  <a:schemeClr val="accent1">
+                    <a:lumMod val="75000"/>
+                  </a:schemeClr>
+                </a:solidFill>
+              </a:rPr>
+              <a:t>PRÁVO</a:t>
+            </a:r>
+            <a:r>
+              <a:rPr lang="sk-SK" b="1" dirty="0"/>
+              <a:t> krok s </a:t>
+            </a:r>
+            <a:r>
+              <a:rPr lang="sk-SK" b="1" dirty="0">
+                <a:solidFill>
+                  <a:schemeClr val="accent1">
+                    <a:lumMod val="75000"/>
+                  </a:schemeClr>
+                </a:solidFill>
+              </a:rPr>
+              <a:t>INFORMATIKOU</a:t>
+            </a:r>
+            <a:r>
+              <a:rPr lang="sk-SK" b="1" dirty="0"/>
+              <a:t>?</a:t>
+            </a:r>
+          </a:p>
+        </p:txBody>
+      </p:sp>
       <p:pic>
         <p:nvPicPr>
           <p:cNvPr id="5" name="Picture 2" descr="Súvisiaci obrázok">
@@ -15072,10 +15155,10 @@
       </p:pic>
       <p:pic>
         <p:nvPicPr>
-          <p:cNvPr id="10242" name="Picture 2" descr="Those posting obscene content online will be tried under ...">
+          <p:cNvPr id="7" name="Picture 2" descr="https://pixabay.com/static/uploads/photo/2012/04/23/15/41/question-38595_960_720.png">
             <a:extLst>
               <a:ext uri="{FF2B5EF4-FFF2-40B4-BE49-F238E27FC236}">
-                <a16:creationId xmlns:a16="http://schemas.microsoft.com/office/drawing/2014/main" id="{64CBBA99-B2C5-4610-9178-61ACBD788A8C}"/>
+                <a16:creationId xmlns:a16="http://schemas.microsoft.com/office/drawing/2014/main" id="{85E1313E-D3F7-4FBD-ABBD-B8B9B48F9996}"/>
               </a:ext>
             </a:extLst>
           </p:cNvPr>
@@ -15085,8 +15168,20 @@
           <p:nvPr/>
         </p:nvPicPr>
         <p:blipFill>
-          <a:blip r:embed="rId4">
+          <a:blip r:embed="rId4" cstate="print">
             <a:extLst>
+              <a:ext uri="{BEBA8EAE-BF5A-486C-A8C5-ECC9F3942E4B}">
+                <a14:imgProps xmlns:a14="http://schemas.microsoft.com/office/drawing/2010/main">
+                  <a14:imgLayer r:embed="rId5">
+                    <a14:imgEffect>
+                      <a14:artisticLineDrawing/>
+                    </a14:imgEffect>
+                    <a14:imgEffect>
+                      <a14:saturation sat="0"/>
+                    </a14:imgEffect>
+                  </a14:imgLayer>
+                </a14:imgProps>
+              </a:ext>
               <a:ext uri="{28A0092B-C50C-407E-A947-70E740481C1C}">
                 <a14:useLocalDpi xmlns:a14="http://schemas.microsoft.com/office/drawing/2010/main" val="0"/>
               </a:ext>
@@ -15099,8 +15194,8 @@
         </p:blipFill>
         <p:spPr bwMode="auto">
           <a:xfrm>
-            <a:off x="6050018" y="2439159"/>
-            <a:ext cx="5289331" cy="2975249"/>
+            <a:off x="5497614" y="3707904"/>
+            <a:ext cx="1196752" cy="1196752"/>
           </a:xfrm>
           <a:prstGeom prst="rect">
             <a:avLst/>
@@ -15117,433 +15212,16 @@
           </a:extLst>
         </p:spPr>
       </p:pic>
-      <p:sp>
-        <p:nvSpPr>
-          <p:cNvPr id="9" name="Content Placeholder 2">
-            <a:extLst>
-              <a:ext uri="{FF2B5EF4-FFF2-40B4-BE49-F238E27FC236}">
-                <a16:creationId xmlns:a16="http://schemas.microsoft.com/office/drawing/2014/main" id="{9960DA86-A31F-4CAE-BEEA-B06E312E48BA}"/>
-              </a:ext>
-            </a:extLst>
-          </p:cNvPr>
-          <p:cNvSpPr>
-            <a:spLocks noGrp="1"/>
-          </p:cNvSpPr>
-          <p:nvPr>
-            <p:ph idx="1"/>
-          </p:nvPr>
-        </p:nvSpPr>
-        <p:spPr>
-          <a:xfrm>
-            <a:off x="472967" y="764628"/>
-            <a:ext cx="11154102" cy="5197584"/>
-          </a:xfrm>
-        </p:spPr>
-        <p:txBody>
-          <a:bodyPr>
-            <a:noAutofit/>
-          </a:bodyPr>
-          <a:lstStyle/>
-          <a:p>
-            <a:pPr marL="0" indent="0">
-              <a:buNone/>
-            </a:pPr>
-            <a:r>
-              <a:rPr lang="sk-SK" sz="3600" b="1" i="1" dirty="0">
-                <a:solidFill>
-                  <a:srgbClr val="FF0000"/>
-                </a:solidFill>
-              </a:rPr>
-              <a:t>Nedostatok zručností v oblasti IT, najmä v parlamentoch</a:t>
-            </a:r>
-          </a:p>
-          <a:p>
-            <a:pPr marL="0" indent="0">
-              <a:buNone/>
-            </a:pPr>
-            <a:endParaRPr lang="sk-SK" sz="3600" b="1" i="1" dirty="0">
-              <a:solidFill>
-                <a:schemeClr val="accent6">
-                  <a:lumMod val="75000"/>
-                </a:schemeClr>
-              </a:solidFill>
-            </a:endParaRPr>
-          </a:p>
-          <a:p>
-            <a:pPr marL="0" indent="0">
-              <a:buNone/>
-            </a:pPr>
-            <a:endParaRPr lang="sk-SK" sz="3600" b="1" i="1" dirty="0">
-              <a:solidFill>
-                <a:schemeClr val="accent6">
-                  <a:lumMod val="75000"/>
-                </a:schemeClr>
-              </a:solidFill>
-            </a:endParaRPr>
-          </a:p>
-          <a:p>
-            <a:pPr marL="0" indent="0">
-              <a:buNone/>
-            </a:pPr>
-            <a:endParaRPr lang="sk-SK" sz="3600" b="1" i="1" dirty="0">
-              <a:solidFill>
-                <a:schemeClr val="accent6">
-                  <a:lumMod val="75000"/>
-                </a:schemeClr>
-              </a:solidFill>
-            </a:endParaRPr>
-          </a:p>
-          <a:p>
-            <a:pPr marL="0" indent="0">
-              <a:buNone/>
-            </a:pPr>
-            <a:endParaRPr lang="sk-SK" sz="3600" b="1" i="1" dirty="0">
-              <a:solidFill>
-                <a:schemeClr val="accent6">
-                  <a:lumMod val="75000"/>
-                </a:schemeClr>
-              </a:solidFill>
-            </a:endParaRPr>
-          </a:p>
-          <a:p>
-            <a:pPr marL="0" indent="0">
-              <a:buNone/>
-            </a:pPr>
-            <a:r>
-              <a:rPr lang="sk-SK" sz="3600" b="1" i="1" dirty="0">
-                <a:solidFill>
-                  <a:schemeClr val="accent6">
-                    <a:lumMod val="75000"/>
-                  </a:schemeClr>
-                </a:solidFill>
-              </a:rPr>
-              <a:t>Najvyšší čas na spoluprácu </a:t>
-            </a:r>
-          </a:p>
-          <a:p>
-            <a:pPr marL="0" indent="0">
-              <a:buNone/>
-            </a:pPr>
-            <a:r>
-              <a:rPr lang="sk-SK" sz="3600" b="1" i="1" dirty="0">
-                <a:solidFill>
-                  <a:schemeClr val="accent6">
-                    <a:lumMod val="75000"/>
-                  </a:schemeClr>
-                </a:solidFill>
-              </a:rPr>
-              <a:t>počítačových vedcov a </a:t>
-            </a:r>
-          </a:p>
-          <a:p>
-            <a:pPr marL="0" indent="0">
-              <a:buNone/>
-            </a:pPr>
-            <a:r>
-              <a:rPr lang="sk-SK" sz="3600" b="1" i="1" dirty="0">
-                <a:solidFill>
-                  <a:schemeClr val="accent6">
-                    <a:lumMod val="75000"/>
-                  </a:schemeClr>
-                </a:solidFill>
-              </a:rPr>
-              <a:t>zákonodarcov</a:t>
-            </a:r>
-            <a:endParaRPr lang="sk-SK" sz="3200" b="1" i="1" dirty="0">
-              <a:solidFill>
-                <a:schemeClr val="accent6">
-                  <a:lumMod val="75000"/>
-                </a:schemeClr>
-              </a:solidFill>
-            </a:endParaRPr>
-          </a:p>
-        </p:txBody>
-      </p:sp>
-      <p:sp>
-        <p:nvSpPr>
-          <p:cNvPr id="8" name="Šípka: nadol 7">
-            <a:extLst>
-              <a:ext uri="{FF2B5EF4-FFF2-40B4-BE49-F238E27FC236}">
-                <a16:creationId xmlns:a16="http://schemas.microsoft.com/office/drawing/2014/main" id="{0DB0E9CD-F2B0-4CBB-97C9-72228EED8F2D}"/>
-              </a:ext>
-            </a:extLst>
-          </p:cNvPr>
-          <p:cNvSpPr/>
-          <p:nvPr/>
-        </p:nvSpPr>
-        <p:spPr>
-          <a:xfrm>
-            <a:off x="2648608" y="1718440"/>
-            <a:ext cx="819807" cy="1891863"/>
-          </a:xfrm>
-          <a:prstGeom prst="downArrow">
-            <a:avLst/>
-          </a:prstGeom>
-        </p:spPr>
-        <p:style>
-          <a:lnRef idx="2">
-            <a:schemeClr val="accent1">
-              <a:shade val="50000"/>
-            </a:schemeClr>
-          </a:lnRef>
-          <a:fillRef idx="1">
-            <a:schemeClr val="accent1"/>
-          </a:fillRef>
-          <a:effectRef idx="0">
-            <a:schemeClr val="accent1"/>
-          </a:effectRef>
-          <a:fontRef idx="minor">
-            <a:schemeClr val="lt1"/>
-          </a:fontRef>
-        </p:style>
-        <p:txBody>
-          <a:bodyPr rtlCol="0" anchor="ctr"/>
-          <a:lstStyle/>
-          <a:p>
-            <a:pPr algn="ctr"/>
-            <a:endParaRPr lang="sk-SK"/>
-          </a:p>
-        </p:txBody>
-      </p:sp>
     </p:spTree>
     <p:extLst>
       <p:ext uri="{BB962C8B-B14F-4D97-AF65-F5344CB8AC3E}">
-        <p14:creationId xmlns:p14="http://schemas.microsoft.com/office/powerpoint/2010/main" val="35081420"/>
+        <p14:creationId xmlns:p14="http://schemas.microsoft.com/office/powerpoint/2010/main" val="2601960129"/>
       </p:ext>
     </p:extLst>
   </p:cSld>
   <p:clrMapOvr>
     <a:masterClrMapping/>
   </p:clrMapOvr>
-  <p:timing>
-    <p:tnLst>
-      <p:par>
-        <p:cTn id="1" dur="indefinite" restart="never" nodeType="tmRoot">
-          <p:childTnLst>
-            <p:seq concurrent="1" nextAc="seek">
-              <p:cTn id="2" dur="indefinite" nodeType="mainSeq">
-                <p:childTnLst>
-                  <p:par>
-                    <p:cTn id="3" fill="hold">
-                      <p:stCondLst>
-                        <p:cond delay="indefinite"/>
-                      </p:stCondLst>
-                      <p:childTnLst>
-                        <p:par>
-                          <p:cTn id="4" fill="hold">
-                            <p:stCondLst>
-                              <p:cond delay="0"/>
-                            </p:stCondLst>
-                            <p:childTnLst>
-                              <p:par>
-                                <p:cTn id="5" presetID="1" presetClass="entr" presetSubtype="0" fill="hold" grpId="0" nodeType="clickEffect">
-                                  <p:stCondLst>
-                                    <p:cond delay="0"/>
-                                  </p:stCondLst>
-                                  <p:childTnLst>
-                                    <p:set>
-                                      <p:cBhvr>
-                                        <p:cTn id="6" dur="1" fill="hold">
-                                          <p:stCondLst>
-                                            <p:cond delay="0"/>
-                                          </p:stCondLst>
-                                        </p:cTn>
-                                        <p:tgtEl>
-                                          <p:spTgt spid="9">
-                                            <p:txEl>
-                                              <p:pRg st="0" end="0"/>
-                                            </p:txEl>
-                                          </p:spTgt>
-                                        </p:tgtEl>
-                                        <p:attrNameLst>
-                                          <p:attrName>style.visibility</p:attrName>
-                                        </p:attrNameLst>
-                                      </p:cBhvr>
-                                      <p:to>
-                                        <p:strVal val="visible"/>
-                                      </p:to>
-                                    </p:set>
-                                  </p:childTnLst>
-                                </p:cTn>
-                              </p:par>
-                            </p:childTnLst>
-                          </p:cTn>
-                        </p:par>
-                      </p:childTnLst>
-                    </p:cTn>
-                  </p:par>
-                  <p:par>
-                    <p:cTn id="7" fill="hold">
-                      <p:stCondLst>
-                        <p:cond delay="indefinite"/>
-                      </p:stCondLst>
-                      <p:childTnLst>
-                        <p:par>
-                          <p:cTn id="8" fill="hold">
-                            <p:stCondLst>
-                              <p:cond delay="0"/>
-                            </p:stCondLst>
-                            <p:childTnLst>
-                              <p:par>
-                                <p:cTn id="9" presetID="1" presetClass="entr" presetSubtype="0" fill="hold" grpId="0" nodeType="clickEffect">
-                                  <p:stCondLst>
-                                    <p:cond delay="0"/>
-                                  </p:stCondLst>
-                                  <p:childTnLst>
-                                    <p:set>
-                                      <p:cBhvr>
-                                        <p:cTn id="10" dur="1" fill="hold">
-                                          <p:stCondLst>
-                                            <p:cond delay="0"/>
-                                          </p:stCondLst>
-                                        </p:cTn>
-                                        <p:tgtEl>
-                                          <p:spTgt spid="9">
-                                            <p:txEl>
-                                              <p:pRg st="5" end="5"/>
-                                            </p:txEl>
-                                          </p:spTgt>
-                                        </p:tgtEl>
-                                        <p:attrNameLst>
-                                          <p:attrName>style.visibility</p:attrName>
-                                        </p:attrNameLst>
-                                      </p:cBhvr>
-                                      <p:to>
-                                        <p:strVal val="visible"/>
-                                      </p:to>
-                                    </p:set>
-                                  </p:childTnLst>
-                                </p:cTn>
-                              </p:par>
-                            </p:childTnLst>
-                          </p:cTn>
-                        </p:par>
-                      </p:childTnLst>
-                    </p:cTn>
-                  </p:par>
-                  <p:par>
-                    <p:cTn id="11" fill="hold">
-                      <p:stCondLst>
-                        <p:cond delay="indefinite"/>
-                      </p:stCondLst>
-                      <p:childTnLst>
-                        <p:par>
-                          <p:cTn id="12" fill="hold">
-                            <p:stCondLst>
-                              <p:cond delay="0"/>
-                            </p:stCondLst>
-                            <p:childTnLst>
-                              <p:par>
-                                <p:cTn id="13" presetID="1" presetClass="entr" presetSubtype="0" fill="hold" grpId="0" nodeType="clickEffect">
-                                  <p:stCondLst>
-                                    <p:cond delay="0"/>
-                                  </p:stCondLst>
-                                  <p:childTnLst>
-                                    <p:set>
-                                      <p:cBhvr>
-                                        <p:cTn id="14" dur="1" fill="hold">
-                                          <p:stCondLst>
-                                            <p:cond delay="0"/>
-                                          </p:stCondLst>
-                                        </p:cTn>
-                                        <p:tgtEl>
-                                          <p:spTgt spid="9">
-                                            <p:txEl>
-                                              <p:pRg st="6" end="6"/>
-                                            </p:txEl>
-                                          </p:spTgt>
-                                        </p:tgtEl>
-                                        <p:attrNameLst>
-                                          <p:attrName>style.visibility</p:attrName>
-                                        </p:attrNameLst>
-                                      </p:cBhvr>
-                                      <p:to>
-                                        <p:strVal val="visible"/>
-                                      </p:to>
-                                    </p:set>
-                                  </p:childTnLst>
-                                </p:cTn>
-                              </p:par>
-                            </p:childTnLst>
-                          </p:cTn>
-                        </p:par>
-                      </p:childTnLst>
-                    </p:cTn>
-                  </p:par>
-                  <p:par>
-                    <p:cTn id="15" fill="hold">
-                      <p:stCondLst>
-                        <p:cond delay="indefinite"/>
-                      </p:stCondLst>
-                      <p:childTnLst>
-                        <p:par>
-                          <p:cTn id="16" fill="hold">
-                            <p:stCondLst>
-                              <p:cond delay="0"/>
-                            </p:stCondLst>
-                            <p:childTnLst>
-                              <p:par>
-                                <p:cTn id="17" presetID="1" presetClass="entr" presetSubtype="0" fill="hold" grpId="0" nodeType="clickEffect">
-                                  <p:stCondLst>
-                                    <p:cond delay="0"/>
-                                  </p:stCondLst>
-                                  <p:childTnLst>
-                                    <p:set>
-                                      <p:cBhvr>
-                                        <p:cTn id="18" dur="1" fill="hold">
-                                          <p:stCondLst>
-                                            <p:cond delay="0"/>
-                                          </p:stCondLst>
-                                        </p:cTn>
-                                        <p:tgtEl>
-                                          <p:spTgt spid="9">
-                                            <p:txEl>
-                                              <p:pRg st="7" end="7"/>
-                                            </p:txEl>
-                                          </p:spTgt>
-                                        </p:tgtEl>
-                                        <p:attrNameLst>
-                                          <p:attrName>style.visibility</p:attrName>
-                                        </p:attrNameLst>
-                                      </p:cBhvr>
-                                      <p:to>
-                                        <p:strVal val="visible"/>
-                                      </p:to>
-                                    </p:set>
-                                  </p:childTnLst>
-                                </p:cTn>
-                              </p:par>
-                            </p:childTnLst>
-                          </p:cTn>
-                        </p:par>
-                      </p:childTnLst>
-                    </p:cTn>
-                  </p:par>
-                </p:childTnLst>
-              </p:cTn>
-              <p:prevCondLst>
-                <p:cond evt="onPrev" delay="0">
-                  <p:tgtEl>
-                    <p:sldTgt/>
-                  </p:tgtEl>
-                </p:cond>
-              </p:prevCondLst>
-              <p:nextCondLst>
-                <p:cond evt="onNext" delay="0">
-                  <p:tgtEl>
-                    <p:sldTgt/>
-                  </p:tgtEl>
-                </p:cond>
-              </p:nextCondLst>
-            </p:seq>
-          </p:childTnLst>
-        </p:cTn>
-      </p:par>
-    </p:tnLst>
-    <p:bldLst>
-      <p:bldP spid="9" grpId="0" build="p"/>
-    </p:bldLst>
-  </p:timing>
 </p:sld>
 </file>
 
@@ -15666,12 +15344,59 @@
           </a:extLst>
         </p:spPr>
       </p:pic>
+      <p:pic>
+        <p:nvPicPr>
+          <p:cNvPr id="10242" name="Picture 2" descr="Those posting obscene content online will be tried under ...">
+            <a:extLst>
+              <a:ext uri="{FF2B5EF4-FFF2-40B4-BE49-F238E27FC236}">
+                <a16:creationId xmlns:a16="http://schemas.microsoft.com/office/drawing/2014/main" id="{64CBBA99-B2C5-4610-9178-61ACBD788A8C}"/>
+              </a:ext>
+            </a:extLst>
+          </p:cNvPr>
+          <p:cNvPicPr>
+            <a:picLocks noChangeAspect="1" noChangeArrowheads="1"/>
+          </p:cNvPicPr>
+          <p:nvPr/>
+        </p:nvPicPr>
+        <p:blipFill>
+          <a:blip r:embed="rId4">
+            <a:extLst>
+              <a:ext uri="{28A0092B-C50C-407E-A947-70E740481C1C}">
+                <a14:useLocalDpi xmlns:a14="http://schemas.microsoft.com/office/drawing/2010/main" val="0"/>
+              </a:ext>
+            </a:extLst>
+          </a:blip>
+          <a:srcRect/>
+          <a:stretch>
+            <a:fillRect/>
+          </a:stretch>
+        </p:blipFill>
+        <p:spPr bwMode="auto">
+          <a:xfrm>
+            <a:off x="6050018" y="2439159"/>
+            <a:ext cx="5289331" cy="2975249"/>
+          </a:xfrm>
+          <a:prstGeom prst="rect">
+            <a:avLst/>
+          </a:prstGeom>
+          <a:noFill/>
+          <a:extLst>
+            <a:ext uri="{909E8E84-426E-40DD-AFC4-6F175D3DCCD1}">
+              <a14:hiddenFill xmlns:a14="http://schemas.microsoft.com/office/drawing/2010/main">
+                <a:solidFill>
+                  <a:srgbClr val="FFFFFF"/>
+                </a:solidFill>
+              </a14:hiddenFill>
+            </a:ext>
+          </a:extLst>
+        </p:spPr>
+      </p:pic>
       <p:sp>
         <p:nvSpPr>
-          <p:cNvPr id="7" name="Content Placeholder 2">
+          <p:cNvPr id="9" name="Content Placeholder 2">
             <a:extLst>
               <a:ext uri="{FF2B5EF4-FFF2-40B4-BE49-F238E27FC236}">
-                <a16:creationId xmlns:a16="http://schemas.microsoft.com/office/drawing/2014/main" id="{AA8FCF8C-FB63-4C00-B07D-CA7DC59F0076}"/>
+                <a16:creationId xmlns:a16="http://schemas.microsoft.com/office/drawing/2014/main" id="{9960DA86-A31F-4CAE-BEEA-B06E312E48BA}"/>
               </a:ext>
             </a:extLst>
           </p:cNvPr>
@@ -15684,8 +15409,8 @@
         </p:nvSpPr>
         <p:spPr>
           <a:xfrm>
-            <a:off x="472967" y="638503"/>
-            <a:ext cx="11154102" cy="5323709"/>
+            <a:off x="472967" y="764628"/>
+            <a:ext cx="11154102" cy="5197584"/>
           </a:xfrm>
         </p:spPr>
         <p:txBody>
@@ -15695,130 +15420,169 @@
           <a:lstStyle/>
           <a:p>
             <a:pPr marL="0" indent="0">
-              <a:lnSpc>
-                <a:spcPct val="150000"/>
-              </a:lnSpc>
               <a:buNone/>
             </a:pPr>
             <a:r>
-              <a:rPr lang="sk-SK" sz="3200" b="1" i="1" dirty="0">
+              <a:rPr lang="sk-SK" sz="3600" b="1" i="1" dirty="0">
                 <a:solidFill>
                   <a:srgbClr val="FF0000"/>
                 </a:solidFill>
               </a:rPr>
-              <a:t>Profilovanie správania falošnými správami</a:t>
+              <a:t>Nedostatok zručností v oblasti IT, najmä v parlamentoch</a:t>
             </a:r>
           </a:p>
           <a:p>
             <a:pPr marL="0" indent="0">
-              <a:lnSpc>
-                <a:spcPct val="150000"/>
-              </a:lnSpc>
               <a:buNone/>
             </a:pPr>
-            <a:r>
-              <a:rPr lang="sk-SK" sz="3200" b="1" i="1" dirty="0"/>
-              <a:t>Falošné správy sa šíria neuveriteľne rýchlo</a:t>
-            </a:r>
+            <a:endParaRPr lang="sk-SK" sz="3600" b="1" i="1" dirty="0">
+              <a:solidFill>
+                <a:schemeClr val="accent6">
+                  <a:lumMod val="75000"/>
+                </a:schemeClr>
+              </a:solidFill>
+            </a:endParaRPr>
           </a:p>
           <a:p>
             <a:pPr marL="0" indent="0">
-              <a:lnSpc>
-                <a:spcPct val="150000"/>
-              </a:lnSpc>
               <a:buNone/>
             </a:pPr>
-            <a:r>
-              <a:rPr lang="sk-SK" sz="3200" b="1" i="1"/>
-              <a:t>Potrebná regulácia </a:t>
-            </a:r>
-            <a:r>
-              <a:rPr lang="sk-SK" sz="3200" b="1" i="1" dirty="0"/>
-              <a:t>platformy, </a:t>
-            </a:r>
-            <a:r>
-              <a:rPr lang="sk-SK" sz="3200" b="1" i="1" dirty="0">
-                <a:solidFill>
-                  <a:srgbClr val="FF0000"/>
-                </a:solidFill>
-              </a:rPr>
-              <a:t>nie spomalenie tempa </a:t>
-            </a:r>
-            <a:r>
-              <a:rPr lang="sk-SK" sz="3200" b="1" i="1" dirty="0"/>
-              <a:t>inovácie</a:t>
-            </a:r>
+            <a:endParaRPr lang="sk-SK" sz="3600" b="1" i="1" dirty="0">
+              <a:solidFill>
+                <a:schemeClr val="accent6">
+                  <a:lumMod val="75000"/>
+                </a:schemeClr>
+              </a:solidFill>
+            </a:endParaRPr>
           </a:p>
           <a:p>
             <a:pPr marL="0" indent="0">
-              <a:lnSpc>
-                <a:spcPct val="150000"/>
-              </a:lnSpc>
               <a:buNone/>
             </a:pPr>
-            <a:r>
-              <a:rPr lang="sk-SK" sz="3200" b="1" i="1" dirty="0">
+            <a:endParaRPr lang="sk-SK" sz="3600" b="1" i="1" dirty="0">
+              <a:solidFill>
+                <a:schemeClr val="accent6">
+                  <a:lumMod val="75000"/>
+                </a:schemeClr>
+              </a:solidFill>
+            </a:endParaRPr>
+          </a:p>
+          <a:p>
+            <a:pPr marL="0" indent="0">
+              <a:buNone/>
+            </a:pPr>
+            <a:endParaRPr lang="sk-SK" sz="3600" b="1" i="1" dirty="0">
+              <a:solidFill>
+                <a:schemeClr val="accent6">
+                  <a:lumMod val="75000"/>
+                </a:schemeClr>
+              </a:solidFill>
+            </a:endParaRPr>
+          </a:p>
+          <a:p>
+            <a:pPr marL="0" indent="0">
+              <a:buNone/>
+            </a:pPr>
+            <a:r>
+              <a:rPr lang="sk-SK" sz="3600" b="1" i="1" dirty="0">
                 <a:solidFill>
                   <a:schemeClr val="accent6">
                     <a:lumMod val="75000"/>
                   </a:schemeClr>
                 </a:solidFill>
               </a:rPr>
-              <a:t>Kritické myslenie a overovanie si faktov</a:t>
+              <a:t>Najvyšší čas na spoluprácu </a:t>
             </a:r>
           </a:p>
           <a:p>
             <a:pPr marL="0" indent="0">
-              <a:lnSpc>
-                <a:spcPct val="150000"/>
-              </a:lnSpc>
               <a:buNone/>
             </a:pPr>
             <a:r>
-              <a:rPr lang="sk-SK" sz="3200" b="1" i="1" dirty="0" err="1">
+              <a:rPr lang="sk-SK" sz="3600" b="1" i="1" dirty="0">
                 <a:solidFill>
                   <a:schemeClr val="accent6">
                     <a:lumMod val="75000"/>
                   </a:schemeClr>
                 </a:solidFill>
               </a:rPr>
-              <a:t>Koregulácia</a:t>
-            </a:r>
-            <a:r>
-              <a:rPr lang="sk-SK" sz="3200" b="1" i="1" dirty="0">
+              <a:t>počítačových vedcov a </a:t>
+            </a:r>
+          </a:p>
+          <a:p>
+            <a:pPr marL="0" indent="0">
+              <a:buNone/>
+            </a:pPr>
+            <a:r>
+              <a:rPr lang="sk-SK" sz="3600" b="1" i="1" dirty="0">
                 <a:solidFill>
                   <a:schemeClr val="accent6">
                     <a:lumMod val="75000"/>
                   </a:schemeClr>
                 </a:solidFill>
               </a:rPr>
-              <a:t>, kompromisy a globálny dohľad</a:t>
-            </a:r>
-          </a:p>
-          <a:p>
-            <a:pPr marL="0" indent="0">
-              <a:lnSpc>
-                <a:spcPct val="150000"/>
-              </a:lnSpc>
-              <a:buNone/>
-            </a:pPr>
-            <a:r>
-              <a:rPr lang="sk-SK" sz="3200" b="1" i="1" dirty="0">
-                <a:solidFill>
-                  <a:schemeClr val="accent6">
-                    <a:lumMod val="75000"/>
-                  </a:schemeClr>
-                </a:solidFill>
-              </a:rPr>
-              <a:t>Spolupráca právnikov a vedcov</a:t>
-            </a:r>
+              <a:t>zákonodarcov</a:t>
+            </a:r>
+            <a:endParaRPr lang="sk-SK" sz="3200" b="1" i="1" dirty="0">
+              <a:solidFill>
+                <a:schemeClr val="accent6">
+                  <a:lumMod val="75000"/>
+                </a:schemeClr>
+              </a:solidFill>
+            </a:endParaRPr>
+          </a:p>
+        </p:txBody>
+      </p:sp>
+      <p:sp>
+        <p:nvSpPr>
+          <p:cNvPr id="8" name="Šípka: nadol 7">
+            <a:extLst>
+              <a:ext uri="{FF2B5EF4-FFF2-40B4-BE49-F238E27FC236}">
+                <a16:creationId xmlns:a16="http://schemas.microsoft.com/office/drawing/2014/main" id="{0DB0E9CD-F2B0-4CBB-97C9-72228EED8F2D}"/>
+              </a:ext>
+            </a:extLst>
+          </p:cNvPr>
+          <p:cNvSpPr/>
+          <p:nvPr/>
+        </p:nvSpPr>
+        <p:spPr>
+          <a:xfrm>
+            <a:off x="2648608" y="1718440"/>
+            <a:ext cx="819807" cy="1891863"/>
+          </a:xfrm>
+          <a:prstGeom prst="downArrow">
+            <a:avLst/>
+          </a:prstGeom>
+        </p:spPr>
+        <p:style>
+          <a:lnRef idx="2">
+            <a:schemeClr val="accent1">
+              <a:shade val="50000"/>
+            </a:schemeClr>
+          </a:lnRef>
+          <a:fillRef idx="1">
+            <a:schemeClr val="accent1"/>
+          </a:fillRef>
+          <a:effectRef idx="0">
+            <a:schemeClr val="accent1"/>
+          </a:effectRef>
+          <a:fontRef idx="minor">
+            <a:schemeClr val="lt1"/>
+          </a:fontRef>
+        </p:style>
+        <p:txBody>
+          <a:bodyPr rtlCol="0" anchor="ctr"/>
+          <a:lstStyle/>
+          <a:p>
+            <a:pPr algn="ctr"/>
+            <a:endParaRPr lang="sk-SK"/>
           </a:p>
         </p:txBody>
       </p:sp>
     </p:spTree>
     <p:extLst>
       <p:ext uri="{BB962C8B-B14F-4D97-AF65-F5344CB8AC3E}">
-        <p14:creationId xmlns:p14="http://schemas.microsoft.com/office/powerpoint/2010/main" val="239138146"/>
+        <p14:creationId xmlns:p14="http://schemas.microsoft.com/office/powerpoint/2010/main" val="35081420"/>
       </p:ext>
     </p:extLst>
   </p:cSld>
